--- a/tubisad-arastirma.pptx
+++ b/tubisad-arastirma.pptx
@@ -4,10 +4,17 @@
   <p:sldMasterIdLst>
     <p:sldMasterId id="2147483648" r:id="rId1"/>
   </p:sldMasterIdLst>
+  <p:notesMasterIdLst>
+    <p:notesMasterId r:id="rId9"/>
+  </p:notesMasterIdLst>
   <p:sldIdLst>
     <p:sldId id="256" r:id="rId2"/>
     <p:sldId id="258" r:id="rId3"/>
     <p:sldId id="259" r:id="rId4"/>
+    <p:sldId id="260" r:id="rId5"/>
+    <p:sldId id="261" r:id="rId6"/>
+    <p:sldId id="262" r:id="rId7"/>
+    <p:sldId id="263" r:id="rId8"/>
   </p:sldIdLst>
   <p:sldSz cx="12192000" cy="6858000"/>
   <p:notesSz cx="6858000" cy="9144000"/>
@@ -116,6 +123,14 @@
             <p14:sldId id="259"/>
           </p14:sldIdLst>
         </p14:section>
+        <p14:section name="2. Ödev" id="{6E2A246F-5DC0-4569-BC84-FA232A370D60}">
+          <p14:sldIdLst>
+            <p14:sldId id="260"/>
+            <p14:sldId id="261"/>
+            <p14:sldId id="262"/>
+            <p14:sldId id="263"/>
+          </p14:sldIdLst>
+        </p14:section>
       </p14:sectionLst>
     </p:ext>
     <p:ext uri="{EFAFB233-063F-42B5-8137-9DF3F51BA10A}">
@@ -123,6 +138,439 @@
     </p:ext>
   </p:extLst>
 </p:presentation>
+</file>
+
+<file path=ppt/notesMasters/notesMaster1.xml><?xml version="1.0" encoding="utf-8"?>
+<p:notesMaster xmlns:a="http://schemas.openxmlformats.org/drawingml/2006/main" xmlns:r="http://schemas.openxmlformats.org/officeDocument/2006/relationships" xmlns:p="http://schemas.openxmlformats.org/presentationml/2006/main">
+  <p:cSld>
+    <p:bg>
+      <p:bgRef idx="1001">
+        <a:schemeClr val="bg1"/>
+      </p:bgRef>
+    </p:bg>
+    <p:spTree>
+      <p:nvGrpSpPr>
+        <p:cNvPr id="1" name=""/>
+        <p:cNvGrpSpPr/>
+        <p:nvPr/>
+      </p:nvGrpSpPr>
+      <p:grpSpPr>
+        <a:xfrm>
+          <a:off x="0" y="0"/>
+          <a:ext cx="0" cy="0"/>
+          <a:chOff x="0" y="0"/>
+          <a:chExt cx="0" cy="0"/>
+        </a:xfrm>
+      </p:grpSpPr>
+      <p:sp>
+        <p:nvSpPr>
+          <p:cNvPr id="2" name="Üst Bilgi Yer Tutucusu 1"/>
+          <p:cNvSpPr>
+            <a:spLocks noGrp="1"/>
+          </p:cNvSpPr>
+          <p:nvPr>
+            <p:ph type="hdr" sz="quarter"/>
+          </p:nvPr>
+        </p:nvSpPr>
+        <p:spPr>
+          <a:xfrm>
+            <a:off x="0" y="0"/>
+            <a:ext cx="2971800" cy="458788"/>
+          </a:xfrm>
+          <a:prstGeom prst="rect">
+            <a:avLst/>
+          </a:prstGeom>
+        </p:spPr>
+        <p:txBody>
+          <a:bodyPr vert="horz" lIns="91440" tIns="45720" rIns="91440" bIns="45720" rtlCol="0"/>
+          <a:lstStyle>
+            <a:lvl1pPr algn="l">
+              <a:defRPr sz="1200"/>
+            </a:lvl1pPr>
+          </a:lstStyle>
+          <a:p>
+            <a:endParaRPr lang="tr-TR"/>
+          </a:p>
+        </p:txBody>
+      </p:sp>
+      <p:sp>
+        <p:nvSpPr>
+          <p:cNvPr id="3" name="Veri Yer Tutucusu 2"/>
+          <p:cNvSpPr>
+            <a:spLocks noGrp="1"/>
+          </p:cNvSpPr>
+          <p:nvPr>
+            <p:ph type="dt" idx="1"/>
+          </p:nvPr>
+        </p:nvSpPr>
+        <p:spPr>
+          <a:xfrm>
+            <a:off x="3884613" y="0"/>
+            <a:ext cx="2971800" cy="458788"/>
+          </a:xfrm>
+          <a:prstGeom prst="rect">
+            <a:avLst/>
+          </a:prstGeom>
+        </p:spPr>
+        <p:txBody>
+          <a:bodyPr vert="horz" lIns="91440" tIns="45720" rIns="91440" bIns="45720" rtlCol="0"/>
+          <a:lstStyle>
+            <a:lvl1pPr algn="r">
+              <a:defRPr sz="1200"/>
+            </a:lvl1pPr>
+          </a:lstStyle>
+          <a:p>
+            <a:fld id="{E8E71682-46FB-4DC1-B803-0211A56AA803}" type="datetimeFigureOut">
+              <a:rPr lang="tr-TR" smtClean="0"/>
+              <a:t>3.06.2022</a:t>
+            </a:fld>
+            <a:endParaRPr lang="tr-TR"/>
+          </a:p>
+        </p:txBody>
+      </p:sp>
+      <p:sp>
+        <p:nvSpPr>
+          <p:cNvPr id="4" name="Slayt Resmi Yer Tutucusu 3"/>
+          <p:cNvSpPr>
+            <a:spLocks noGrp="1" noRot="1" noChangeAspect="1"/>
+          </p:cNvSpPr>
+          <p:nvPr>
+            <p:ph type="sldImg" idx="2"/>
+          </p:nvPr>
+        </p:nvSpPr>
+        <p:spPr>
+          <a:xfrm>
+            <a:off x="685800" y="1143000"/>
+            <a:ext cx="5486400" cy="3086100"/>
+          </a:xfrm>
+          <a:prstGeom prst="rect">
+            <a:avLst/>
+          </a:prstGeom>
+          <a:noFill/>
+          <a:ln w="12700">
+            <a:solidFill>
+              <a:prstClr val="black"/>
+            </a:solidFill>
+          </a:ln>
+        </p:spPr>
+        <p:txBody>
+          <a:bodyPr vert="horz" lIns="91440" tIns="45720" rIns="91440" bIns="45720" rtlCol="0" anchor="ctr"/>
+          <a:lstStyle/>
+          <a:p>
+            <a:endParaRPr lang="tr-TR"/>
+          </a:p>
+        </p:txBody>
+      </p:sp>
+      <p:sp>
+        <p:nvSpPr>
+          <p:cNvPr id="5" name="Not Yer Tutucusu 4"/>
+          <p:cNvSpPr>
+            <a:spLocks noGrp="1"/>
+          </p:cNvSpPr>
+          <p:nvPr>
+            <p:ph type="body" sz="quarter" idx="3"/>
+          </p:nvPr>
+        </p:nvSpPr>
+        <p:spPr>
+          <a:xfrm>
+            <a:off x="685800" y="4400550"/>
+            <a:ext cx="5486400" cy="3600450"/>
+          </a:xfrm>
+          <a:prstGeom prst="rect">
+            <a:avLst/>
+          </a:prstGeom>
+        </p:spPr>
+        <p:txBody>
+          <a:bodyPr vert="horz" lIns="91440" tIns="45720" rIns="91440" bIns="45720" rtlCol="0"/>
+          <a:lstStyle/>
+          <a:p>
+            <a:pPr lvl="0"/>
+            <a:r>
+              <a:rPr lang="tr-TR"/>
+              <a:t>Asıl metin stillerini düzenlemek için tıklayın</a:t>
+            </a:r>
+          </a:p>
+          <a:p>
+            <a:pPr lvl="1"/>
+            <a:r>
+              <a:rPr lang="tr-TR"/>
+              <a:t>İkinci düzey</a:t>
+            </a:r>
+          </a:p>
+          <a:p>
+            <a:pPr lvl="2"/>
+            <a:r>
+              <a:rPr lang="tr-TR"/>
+              <a:t>Üçüncü düzey</a:t>
+            </a:r>
+          </a:p>
+          <a:p>
+            <a:pPr lvl="3"/>
+            <a:r>
+              <a:rPr lang="tr-TR"/>
+              <a:t>Dördüncü düzey</a:t>
+            </a:r>
+          </a:p>
+          <a:p>
+            <a:pPr lvl="4"/>
+            <a:r>
+              <a:rPr lang="tr-TR"/>
+              <a:t>Beşinci düzey</a:t>
+            </a:r>
+          </a:p>
+        </p:txBody>
+      </p:sp>
+      <p:sp>
+        <p:nvSpPr>
+          <p:cNvPr id="6" name="Alt Bilgi Yer Tutucusu 5"/>
+          <p:cNvSpPr>
+            <a:spLocks noGrp="1"/>
+          </p:cNvSpPr>
+          <p:nvPr>
+            <p:ph type="ftr" sz="quarter" idx="4"/>
+          </p:nvPr>
+        </p:nvSpPr>
+        <p:spPr>
+          <a:xfrm>
+            <a:off x="0" y="8685213"/>
+            <a:ext cx="2971800" cy="458787"/>
+          </a:xfrm>
+          <a:prstGeom prst="rect">
+            <a:avLst/>
+          </a:prstGeom>
+        </p:spPr>
+        <p:txBody>
+          <a:bodyPr vert="horz" lIns="91440" tIns="45720" rIns="91440" bIns="45720" rtlCol="0" anchor="b"/>
+          <a:lstStyle>
+            <a:lvl1pPr algn="l">
+              <a:defRPr sz="1200"/>
+            </a:lvl1pPr>
+          </a:lstStyle>
+          <a:p>
+            <a:endParaRPr lang="tr-TR"/>
+          </a:p>
+        </p:txBody>
+      </p:sp>
+      <p:sp>
+        <p:nvSpPr>
+          <p:cNvPr id="7" name="Slayt Numarası Yer Tutucusu 6"/>
+          <p:cNvSpPr>
+            <a:spLocks noGrp="1"/>
+          </p:cNvSpPr>
+          <p:nvPr>
+            <p:ph type="sldNum" sz="quarter" idx="5"/>
+          </p:nvPr>
+        </p:nvSpPr>
+        <p:spPr>
+          <a:xfrm>
+            <a:off x="3884613" y="8685213"/>
+            <a:ext cx="2971800" cy="458787"/>
+          </a:xfrm>
+          <a:prstGeom prst="rect">
+            <a:avLst/>
+          </a:prstGeom>
+        </p:spPr>
+        <p:txBody>
+          <a:bodyPr vert="horz" lIns="91440" tIns="45720" rIns="91440" bIns="45720" rtlCol="0" anchor="b"/>
+          <a:lstStyle>
+            <a:lvl1pPr algn="r">
+              <a:defRPr sz="1200"/>
+            </a:lvl1pPr>
+          </a:lstStyle>
+          <a:p>
+            <a:fld id="{9F28A1EE-7F8B-457B-AF7E-B80B4B5CD929}" type="slidenum">
+              <a:rPr lang="tr-TR" smtClean="0"/>
+              <a:t>‹#›</a:t>
+            </a:fld>
+            <a:endParaRPr lang="tr-TR"/>
+          </a:p>
+        </p:txBody>
+      </p:sp>
+    </p:spTree>
+    <p:extLst>
+      <p:ext uri="{BB962C8B-B14F-4D97-AF65-F5344CB8AC3E}">
+        <p14:creationId xmlns:p14="http://schemas.microsoft.com/office/powerpoint/2010/main" val="2937390118"/>
+      </p:ext>
+    </p:extLst>
+  </p:cSld>
+  <p:clrMap bg1="lt1" tx1="dk1" bg2="lt2" tx2="dk2" accent1="accent1" accent2="accent2" accent3="accent3" accent4="accent4" accent5="accent5" accent6="accent6" hlink="hlink" folHlink="folHlink"/>
+  <p:notesStyle>
+    <a:lvl1pPr marL="0" algn="l" defTabSz="914400" rtl="0" eaLnBrk="1" latinLnBrk="0" hangingPunct="1">
+      <a:defRPr sz="1200" kern="1200">
+        <a:solidFill>
+          <a:schemeClr val="tx1"/>
+        </a:solidFill>
+        <a:latin typeface="+mn-lt"/>
+        <a:ea typeface="+mn-ea"/>
+        <a:cs typeface="+mn-cs"/>
+      </a:defRPr>
+    </a:lvl1pPr>
+    <a:lvl2pPr marL="457200" algn="l" defTabSz="914400" rtl="0" eaLnBrk="1" latinLnBrk="0" hangingPunct="1">
+      <a:defRPr sz="1200" kern="1200">
+        <a:solidFill>
+          <a:schemeClr val="tx1"/>
+        </a:solidFill>
+        <a:latin typeface="+mn-lt"/>
+        <a:ea typeface="+mn-ea"/>
+        <a:cs typeface="+mn-cs"/>
+      </a:defRPr>
+    </a:lvl2pPr>
+    <a:lvl3pPr marL="914400" algn="l" defTabSz="914400" rtl="0" eaLnBrk="1" latinLnBrk="0" hangingPunct="1">
+      <a:defRPr sz="1200" kern="1200">
+        <a:solidFill>
+          <a:schemeClr val="tx1"/>
+        </a:solidFill>
+        <a:latin typeface="+mn-lt"/>
+        <a:ea typeface="+mn-ea"/>
+        <a:cs typeface="+mn-cs"/>
+      </a:defRPr>
+    </a:lvl3pPr>
+    <a:lvl4pPr marL="1371600" algn="l" defTabSz="914400" rtl="0" eaLnBrk="1" latinLnBrk="0" hangingPunct="1">
+      <a:defRPr sz="1200" kern="1200">
+        <a:solidFill>
+          <a:schemeClr val="tx1"/>
+        </a:solidFill>
+        <a:latin typeface="+mn-lt"/>
+        <a:ea typeface="+mn-ea"/>
+        <a:cs typeface="+mn-cs"/>
+      </a:defRPr>
+    </a:lvl4pPr>
+    <a:lvl5pPr marL="1828800" algn="l" defTabSz="914400" rtl="0" eaLnBrk="1" latinLnBrk="0" hangingPunct="1">
+      <a:defRPr sz="1200" kern="1200">
+        <a:solidFill>
+          <a:schemeClr val="tx1"/>
+        </a:solidFill>
+        <a:latin typeface="+mn-lt"/>
+        <a:ea typeface="+mn-ea"/>
+        <a:cs typeface="+mn-cs"/>
+      </a:defRPr>
+    </a:lvl5pPr>
+    <a:lvl6pPr marL="2286000" algn="l" defTabSz="914400" rtl="0" eaLnBrk="1" latinLnBrk="0" hangingPunct="1">
+      <a:defRPr sz="1200" kern="1200">
+        <a:solidFill>
+          <a:schemeClr val="tx1"/>
+        </a:solidFill>
+        <a:latin typeface="+mn-lt"/>
+        <a:ea typeface="+mn-ea"/>
+        <a:cs typeface="+mn-cs"/>
+      </a:defRPr>
+    </a:lvl6pPr>
+    <a:lvl7pPr marL="2743200" algn="l" defTabSz="914400" rtl="0" eaLnBrk="1" latinLnBrk="0" hangingPunct="1">
+      <a:defRPr sz="1200" kern="1200">
+        <a:solidFill>
+          <a:schemeClr val="tx1"/>
+        </a:solidFill>
+        <a:latin typeface="+mn-lt"/>
+        <a:ea typeface="+mn-ea"/>
+        <a:cs typeface="+mn-cs"/>
+      </a:defRPr>
+    </a:lvl7pPr>
+    <a:lvl8pPr marL="3200400" algn="l" defTabSz="914400" rtl="0" eaLnBrk="1" latinLnBrk="0" hangingPunct="1">
+      <a:defRPr sz="1200" kern="1200">
+        <a:solidFill>
+          <a:schemeClr val="tx1"/>
+        </a:solidFill>
+        <a:latin typeface="+mn-lt"/>
+        <a:ea typeface="+mn-ea"/>
+        <a:cs typeface="+mn-cs"/>
+      </a:defRPr>
+    </a:lvl8pPr>
+    <a:lvl9pPr marL="3657600" algn="l" defTabSz="914400" rtl="0" eaLnBrk="1" latinLnBrk="0" hangingPunct="1">
+      <a:defRPr sz="1200" kern="1200">
+        <a:solidFill>
+          <a:schemeClr val="tx1"/>
+        </a:solidFill>
+        <a:latin typeface="+mn-lt"/>
+        <a:ea typeface="+mn-ea"/>
+        <a:cs typeface="+mn-cs"/>
+      </a:defRPr>
+    </a:lvl9pPr>
+  </p:notesStyle>
+</p:notesMaster>
+</file>
+
+<file path=ppt/notesSlides/notesSlide1.xml><?xml version="1.0" encoding="utf-8"?>
+<p:notes xmlns:a="http://schemas.openxmlformats.org/drawingml/2006/main" xmlns:r="http://schemas.openxmlformats.org/officeDocument/2006/relationships" xmlns:p="http://schemas.openxmlformats.org/presentationml/2006/main">
+  <p:cSld>
+    <p:spTree>
+      <p:nvGrpSpPr>
+        <p:cNvPr id="1" name=""/>
+        <p:cNvGrpSpPr/>
+        <p:nvPr/>
+      </p:nvGrpSpPr>
+      <p:grpSpPr>
+        <a:xfrm>
+          <a:off x="0" y="0"/>
+          <a:ext cx="0" cy="0"/>
+          <a:chOff x="0" y="0"/>
+          <a:chExt cx="0" cy="0"/>
+        </a:xfrm>
+      </p:grpSpPr>
+      <p:sp>
+        <p:nvSpPr>
+          <p:cNvPr id="2" name="Slayt Resmi Yer Tutucusu 1"/>
+          <p:cNvSpPr>
+            <a:spLocks noGrp="1" noRot="1" noChangeAspect="1"/>
+          </p:cNvSpPr>
+          <p:nvPr>
+            <p:ph type="sldImg"/>
+          </p:nvPr>
+        </p:nvSpPr>
+        <p:spPr/>
+      </p:sp>
+      <p:sp>
+        <p:nvSpPr>
+          <p:cNvPr id="3" name="Not Yer Tutucusu 2"/>
+          <p:cNvSpPr>
+            <a:spLocks noGrp="1"/>
+          </p:cNvSpPr>
+          <p:nvPr>
+            <p:ph type="body" idx="1"/>
+          </p:nvPr>
+        </p:nvSpPr>
+        <p:spPr/>
+        <p:txBody>
+          <a:bodyPr/>
+          <a:lstStyle/>
+          <a:p>
+            <a:endParaRPr lang="tr-TR" dirty="0"/>
+          </a:p>
+        </p:txBody>
+      </p:sp>
+      <p:sp>
+        <p:nvSpPr>
+          <p:cNvPr id="4" name="Slayt Numarası Yer Tutucusu 3"/>
+          <p:cNvSpPr>
+            <a:spLocks noGrp="1"/>
+          </p:cNvSpPr>
+          <p:nvPr>
+            <p:ph type="sldNum" sz="quarter" idx="5"/>
+          </p:nvPr>
+        </p:nvSpPr>
+        <p:spPr/>
+        <p:txBody>
+          <a:bodyPr/>
+          <a:lstStyle/>
+          <a:p>
+            <a:fld id="{9F28A1EE-7F8B-457B-AF7E-B80B4B5CD929}" type="slidenum">
+              <a:rPr lang="tr-TR" smtClean="0"/>
+              <a:t>5</a:t>
+            </a:fld>
+            <a:endParaRPr lang="tr-TR"/>
+          </a:p>
+        </p:txBody>
+      </p:sp>
+    </p:spTree>
+    <p:extLst>
+      <p:ext uri="{BB962C8B-B14F-4D97-AF65-F5344CB8AC3E}">
+        <p14:creationId xmlns:p14="http://schemas.microsoft.com/office/powerpoint/2010/main" val="2765089485"/>
+      </p:ext>
+    </p:extLst>
+  </p:cSld>
+  <p:clrMapOvr>
+    <a:masterClrMapping/>
+  </p:clrMapOvr>
+</p:notes>
 </file>
 
 <file path=ppt/slideLayouts/slideLayout1.xml><?xml version="1.0" encoding="utf-8"?>
@@ -3787,12 +4235,12 @@
         </p:spPr>
         <p:txBody>
           <a:bodyPr>
-            <a:normAutofit fontScale="90000"/>
+            <a:normAutofit/>
           </a:bodyPr>
           <a:lstStyle/>
           <a:p>
             <a:r>
-              <a:rPr lang="tr-TR" b="1" dirty="0" err="1">
+              <a:rPr lang="tr-TR" sz="5400" b="1" dirty="0" err="1">
                 <a:solidFill>
                   <a:schemeClr val="accent1"/>
                 </a:solidFill>
@@ -3800,7 +4248,7 @@
               <a:t>Jira</a:t>
             </a:r>
             <a:r>
-              <a:rPr lang="tr-TR" b="1" dirty="0">
+              <a:rPr lang="tr-TR" sz="5400" b="1" dirty="0">
                 <a:solidFill>
                   <a:schemeClr val="accent1"/>
                 </a:solidFill>
@@ -4032,8 +4480,8 @@
         </p:nvSpPr>
         <p:spPr>
           <a:xfrm>
-            <a:off x="935501" y="243376"/>
-            <a:ext cx="10320997" cy="910175"/>
+            <a:off x="935501" y="243377"/>
+            <a:ext cx="10320997" cy="893462"/>
           </a:xfrm>
         </p:spPr>
         <p:txBody>
@@ -4106,7 +4554,7 @@
         <p:spPr>
           <a:xfrm>
             <a:off x="935499" y="2271768"/>
-            <a:ext cx="10320997" cy="910175"/>
+            <a:ext cx="10320997" cy="893463"/>
           </a:xfrm>
           <a:prstGeom prst="rect">
             <a:avLst/>
@@ -4163,7 +4611,7 @@
         </p:nvSpPr>
         <p:spPr>
           <a:xfrm>
-            <a:off x="935499" y="3181943"/>
+            <a:off x="935499" y="3148885"/>
             <a:ext cx="10320997" cy="1755817"/>
           </a:xfrm>
           <a:prstGeom prst="rect">
@@ -4551,6 +4999,1527 @@
     <p:extLst>
       <p:ext uri="{BB962C8B-B14F-4D97-AF65-F5344CB8AC3E}">
         <p14:creationId xmlns:p14="http://schemas.microsoft.com/office/powerpoint/2010/main" val="1229830545"/>
+      </p:ext>
+    </p:extLst>
+  </p:cSld>
+  <p:clrMapOvr>
+    <a:masterClrMapping/>
+  </p:clrMapOvr>
+</p:sld>
+</file>
+
+<file path=ppt/slides/slide4.xml><?xml version="1.0" encoding="utf-8"?>
+<p:sld xmlns:a="http://schemas.openxmlformats.org/drawingml/2006/main" xmlns:r="http://schemas.openxmlformats.org/officeDocument/2006/relationships" xmlns:p="http://schemas.openxmlformats.org/presentationml/2006/main">
+  <p:cSld>
+    <p:spTree>
+      <p:nvGrpSpPr>
+        <p:cNvPr id="1" name=""/>
+        <p:cNvGrpSpPr/>
+        <p:nvPr/>
+      </p:nvGrpSpPr>
+      <p:grpSpPr>
+        <a:xfrm>
+          <a:off x="0" y="0"/>
+          <a:ext cx="0" cy="0"/>
+          <a:chOff x="0" y="0"/>
+          <a:chExt cx="0" cy="0"/>
+        </a:xfrm>
+      </p:grpSpPr>
+      <p:sp>
+        <p:nvSpPr>
+          <p:cNvPr id="2" name="Başlık 1">
+            <a:extLst>
+              <a:ext uri="{FF2B5EF4-FFF2-40B4-BE49-F238E27FC236}">
+                <a16:creationId xmlns:a16="http://schemas.microsoft.com/office/drawing/2014/main" id="{862DC952-C061-7485-9FEB-130ECF91596A}"/>
+              </a:ext>
+            </a:extLst>
+          </p:cNvPr>
+          <p:cNvSpPr>
+            <a:spLocks noGrp="1"/>
+          </p:cNvSpPr>
+          <p:nvPr>
+            <p:ph type="ctrTitle"/>
+          </p:nvPr>
+        </p:nvSpPr>
+        <p:spPr>
+          <a:xfrm>
+            <a:off x="935501" y="257444"/>
+            <a:ext cx="10320997" cy="1360341"/>
+          </a:xfrm>
+        </p:spPr>
+        <p:txBody>
+          <a:bodyPr>
+            <a:normAutofit fontScale="90000"/>
+          </a:bodyPr>
+          <a:lstStyle/>
+          <a:p>
+            <a:pPr algn="l"/>
+            <a:r>
+              <a:rPr lang="tr-TR" sz="5400" b="1" dirty="0" err="1">
+                <a:solidFill>
+                  <a:schemeClr val="accent1"/>
+                </a:solidFill>
+              </a:rPr>
+              <a:t>visibility</a:t>
+            </a:r>
+            <a:r>
+              <a:rPr lang="tr-TR" sz="5400" b="1" dirty="0">
+                <a:solidFill>
+                  <a:schemeClr val="accent1"/>
+                </a:solidFill>
+              </a:rPr>
+              <a:t>: </a:t>
+            </a:r>
+            <a:r>
+              <a:rPr lang="tr-TR" sz="5400" b="1" dirty="0" err="1">
+                <a:solidFill>
+                  <a:schemeClr val="accent1"/>
+                </a:solidFill>
+              </a:rPr>
+              <a:t>hidden</a:t>
+            </a:r>
+            <a:r>
+              <a:rPr lang="tr-TR" sz="5400" b="1" dirty="0">
+                <a:solidFill>
+                  <a:schemeClr val="accent1"/>
+                </a:solidFill>
+              </a:rPr>
+              <a:t> ile </a:t>
+            </a:r>
+            <a:r>
+              <a:rPr lang="tr-TR" sz="5400" b="1" dirty="0" err="1">
+                <a:solidFill>
+                  <a:schemeClr val="accent1"/>
+                </a:solidFill>
+              </a:rPr>
+              <a:t>display</a:t>
+            </a:r>
+            <a:r>
+              <a:rPr lang="tr-TR" sz="5400" b="1" dirty="0">
+                <a:solidFill>
+                  <a:schemeClr val="accent1"/>
+                </a:solidFill>
+              </a:rPr>
+              <a:t>: </a:t>
+            </a:r>
+            <a:r>
+              <a:rPr lang="tr-TR" sz="5400" b="1" dirty="0" err="1">
+                <a:solidFill>
+                  <a:schemeClr val="accent1"/>
+                </a:solidFill>
+              </a:rPr>
+              <a:t>none</a:t>
+            </a:r>
+            <a:r>
+              <a:rPr lang="tr-TR" sz="5400" b="1" dirty="0">
+                <a:solidFill>
+                  <a:schemeClr val="accent1"/>
+                </a:solidFill>
+              </a:rPr>
+              <a:t> arasında fark nedir?</a:t>
+            </a:r>
+          </a:p>
+        </p:txBody>
+      </p:sp>
+      <p:sp>
+        <p:nvSpPr>
+          <p:cNvPr id="3" name="Alt Başlık 2">
+            <a:extLst>
+              <a:ext uri="{FF2B5EF4-FFF2-40B4-BE49-F238E27FC236}">
+                <a16:creationId xmlns:a16="http://schemas.microsoft.com/office/drawing/2014/main" id="{AB6E6D26-84C0-5846-8B9D-B81688D4BE96}"/>
+              </a:ext>
+            </a:extLst>
+          </p:cNvPr>
+          <p:cNvSpPr>
+            <a:spLocks noGrp="1"/>
+          </p:cNvSpPr>
+          <p:nvPr>
+            <p:ph type="subTitle" idx="1"/>
+          </p:nvPr>
+        </p:nvSpPr>
+        <p:spPr>
+          <a:xfrm>
+            <a:off x="935501" y="2388700"/>
+            <a:ext cx="10320997" cy="2532184"/>
+          </a:xfrm>
+        </p:spPr>
+        <p:txBody>
+          <a:bodyPr>
+            <a:normAutofit/>
+          </a:bodyPr>
+          <a:lstStyle/>
+          <a:p>
+            <a:pPr algn="l"/>
+            <a:r>
+              <a:rPr lang="en-US" dirty="0" err="1"/>
+              <a:t>Kısaca</a:t>
+            </a:r>
+            <a:r>
+              <a:rPr lang="en-US" dirty="0"/>
+              <a:t> </a:t>
+            </a:r>
+            <a:r>
+              <a:rPr lang="en-US" dirty="0" err="1"/>
+              <a:t>açıklayacak</a:t>
+            </a:r>
+            <a:r>
+              <a:rPr lang="en-US" dirty="0"/>
+              <a:t> </a:t>
+            </a:r>
+            <a:r>
+              <a:rPr lang="en-US" dirty="0" err="1"/>
+              <a:t>olursam</a:t>
+            </a:r>
+            <a:r>
+              <a:rPr lang="en-US" dirty="0"/>
+              <a:t> </a:t>
+            </a:r>
+            <a:r>
+              <a:rPr lang="en-US" b="1" dirty="0" err="1"/>
+              <a:t>display:none</a:t>
+            </a:r>
+            <a:r>
+              <a:rPr lang="en-US" b="1" dirty="0"/>
+              <a:t> </a:t>
+            </a:r>
+            <a:r>
+              <a:rPr lang="en-US" dirty="0" err="1"/>
+              <a:t>elementi</a:t>
+            </a:r>
+            <a:r>
+              <a:rPr lang="en-US" dirty="0"/>
+              <a:t> yok </a:t>
+            </a:r>
+            <a:r>
+              <a:rPr lang="en-US" dirty="0" err="1"/>
+              <a:t>eder</a:t>
+            </a:r>
+            <a:r>
+              <a:rPr lang="en-US" dirty="0"/>
+              <a:t>, </a:t>
+            </a:r>
+            <a:r>
+              <a:rPr lang="en-US" b="1" dirty="0" err="1"/>
+              <a:t>visibility:hidden</a:t>
+            </a:r>
+            <a:r>
+              <a:rPr lang="en-US" b="1" dirty="0"/>
+              <a:t> </a:t>
+            </a:r>
+            <a:r>
+              <a:rPr lang="en-US" dirty="0" err="1"/>
+              <a:t>ise</a:t>
+            </a:r>
+            <a:r>
+              <a:rPr lang="en-US" dirty="0"/>
+              <a:t> </a:t>
+            </a:r>
+            <a:r>
+              <a:rPr lang="en-US" dirty="0" err="1"/>
+              <a:t>elementi</a:t>
+            </a:r>
+            <a:r>
+              <a:rPr lang="en-US" dirty="0"/>
+              <a:t> </a:t>
+            </a:r>
+            <a:r>
+              <a:rPr lang="en-US" dirty="0" err="1"/>
+              <a:t>gizler</a:t>
+            </a:r>
+            <a:r>
+              <a:rPr lang="en-US" dirty="0"/>
+              <a:t>.</a:t>
+            </a:r>
+            <a:endParaRPr lang="tr-TR" dirty="0"/>
+          </a:p>
+          <a:p>
+            <a:pPr algn="l"/>
+            <a:r>
+              <a:rPr lang="tr-TR" dirty="0" err="1">
+                <a:solidFill>
+                  <a:srgbClr val="00B050"/>
+                </a:solidFill>
+              </a:rPr>
+              <a:t>display:none</a:t>
+            </a:r>
+            <a:r>
+              <a:rPr lang="tr-TR" dirty="0">
+                <a:solidFill>
+                  <a:srgbClr val="00B050"/>
+                </a:solidFill>
+              </a:rPr>
+              <a:t> = </a:t>
+            </a:r>
+            <a:r>
+              <a:rPr lang="tr-TR" dirty="0"/>
+              <a:t>Elementi ve sayfada kapladığı boşluğu yok eder. Sayfa derlenirken element yokmuş gibi davranılır.</a:t>
+            </a:r>
+          </a:p>
+          <a:p>
+            <a:pPr algn="l"/>
+            <a:r>
+              <a:rPr lang="en-US" dirty="0" err="1">
+                <a:solidFill>
+                  <a:srgbClr val="00B050"/>
+                </a:solidFill>
+              </a:rPr>
+              <a:t>visibility:hidden</a:t>
+            </a:r>
+            <a:r>
+              <a:rPr lang="en-US" dirty="0">
+                <a:solidFill>
+                  <a:srgbClr val="00B050"/>
+                </a:solidFill>
+              </a:rPr>
+              <a:t> </a:t>
+            </a:r>
+            <a:r>
+              <a:rPr lang="tr-TR" dirty="0">
+                <a:solidFill>
+                  <a:srgbClr val="00B050"/>
+                </a:solidFill>
+              </a:rPr>
+              <a:t>= </a:t>
+            </a:r>
+            <a:r>
+              <a:rPr lang="tr-TR" dirty="0"/>
+              <a:t>Elementi gizler, sayfada kapladığı boşluk kalır. Sayfa derlenirken element varmış gibi davranılır ancak element gösterilmez.</a:t>
+            </a:r>
+          </a:p>
+        </p:txBody>
+      </p:sp>
+    </p:spTree>
+    <p:extLst>
+      <p:ext uri="{BB962C8B-B14F-4D97-AF65-F5344CB8AC3E}">
+        <p14:creationId xmlns:p14="http://schemas.microsoft.com/office/powerpoint/2010/main" val="3038191326"/>
+      </p:ext>
+    </p:extLst>
+  </p:cSld>
+  <p:clrMapOvr>
+    <a:masterClrMapping/>
+  </p:clrMapOvr>
+</p:sld>
+</file>
+
+<file path=ppt/slides/slide5.xml><?xml version="1.0" encoding="utf-8"?>
+<p:sld xmlns:a="http://schemas.openxmlformats.org/drawingml/2006/main" xmlns:r="http://schemas.openxmlformats.org/officeDocument/2006/relationships" xmlns:p="http://schemas.openxmlformats.org/presentationml/2006/main">
+  <p:cSld>
+    <p:spTree>
+      <p:nvGrpSpPr>
+        <p:cNvPr id="1" name=""/>
+        <p:cNvGrpSpPr/>
+        <p:nvPr/>
+      </p:nvGrpSpPr>
+      <p:grpSpPr>
+        <a:xfrm>
+          <a:off x="0" y="0"/>
+          <a:ext cx="0" cy="0"/>
+          <a:chOff x="0" y="0"/>
+          <a:chExt cx="0" cy="0"/>
+        </a:xfrm>
+      </p:grpSpPr>
+      <p:sp>
+        <p:nvSpPr>
+          <p:cNvPr id="2" name="Başlık 1">
+            <a:extLst>
+              <a:ext uri="{FF2B5EF4-FFF2-40B4-BE49-F238E27FC236}">
+                <a16:creationId xmlns:a16="http://schemas.microsoft.com/office/drawing/2014/main" id="{862DC952-C061-7485-9FEB-130ECF91596A}"/>
+              </a:ext>
+            </a:extLst>
+          </p:cNvPr>
+          <p:cNvSpPr>
+            <a:spLocks noGrp="1"/>
+          </p:cNvSpPr>
+          <p:nvPr>
+            <p:ph type="ctrTitle"/>
+          </p:nvPr>
+        </p:nvSpPr>
+        <p:spPr>
+          <a:xfrm>
+            <a:off x="935501" y="257444"/>
+            <a:ext cx="10320997" cy="825768"/>
+          </a:xfrm>
+        </p:spPr>
+        <p:txBody>
+          <a:bodyPr>
+            <a:normAutofit fontScale="90000"/>
+          </a:bodyPr>
+          <a:lstStyle/>
+          <a:p>
+            <a:pPr algn="l"/>
+            <a:r>
+              <a:rPr lang="tr-TR" sz="5400" b="1" dirty="0" err="1">
+                <a:solidFill>
+                  <a:schemeClr val="accent1"/>
+                </a:solidFill>
+              </a:rPr>
+              <a:t>box-sizing</a:t>
+            </a:r>
+            <a:r>
+              <a:rPr lang="tr-TR" sz="5400" b="1" dirty="0">
+                <a:solidFill>
+                  <a:schemeClr val="accent1"/>
+                </a:solidFill>
+              </a:rPr>
+              <a:t> nedir?</a:t>
+            </a:r>
+          </a:p>
+        </p:txBody>
+      </p:sp>
+      <p:sp>
+        <p:nvSpPr>
+          <p:cNvPr id="3" name="Alt Başlık 2">
+            <a:extLst>
+              <a:ext uri="{FF2B5EF4-FFF2-40B4-BE49-F238E27FC236}">
+                <a16:creationId xmlns:a16="http://schemas.microsoft.com/office/drawing/2014/main" id="{AB6E6D26-84C0-5846-8B9D-B81688D4BE96}"/>
+              </a:ext>
+            </a:extLst>
+          </p:cNvPr>
+          <p:cNvSpPr>
+            <a:spLocks noGrp="1"/>
+          </p:cNvSpPr>
+          <p:nvPr>
+            <p:ph type="subTitle" idx="1"/>
+          </p:nvPr>
+        </p:nvSpPr>
+        <p:spPr>
+          <a:xfrm>
+            <a:off x="935501" y="1311103"/>
+            <a:ext cx="10320997" cy="5331656"/>
+          </a:xfrm>
+        </p:spPr>
+        <p:txBody>
+          <a:bodyPr>
+            <a:normAutofit fontScale="92500" lnSpcReduction="10000"/>
+          </a:bodyPr>
+          <a:lstStyle/>
+          <a:p>
+            <a:pPr algn="l"/>
+            <a:r>
+              <a:rPr lang="tr-TR" sz="2600" dirty="0" err="1"/>
+              <a:t>CSS’te</a:t>
+            </a:r>
+            <a:r>
+              <a:rPr lang="tr-TR" sz="2600" dirty="0"/>
+              <a:t> kutu modelinde her elementin bir </a:t>
+            </a:r>
+            <a:r>
+              <a:rPr lang="tr-TR" sz="2600" dirty="0" err="1"/>
+              <a:t>margin</a:t>
+            </a:r>
+            <a:r>
+              <a:rPr lang="tr-TR" sz="2600" dirty="0"/>
+              <a:t> değeri, bir </a:t>
+            </a:r>
+            <a:r>
+              <a:rPr lang="tr-TR" sz="2600" dirty="0" err="1"/>
+              <a:t>border</a:t>
+            </a:r>
+            <a:r>
+              <a:rPr lang="tr-TR" sz="2600" dirty="0"/>
+              <a:t> değeri, bir </a:t>
+            </a:r>
+            <a:r>
+              <a:rPr lang="tr-TR" sz="2600" dirty="0" err="1"/>
+              <a:t>padding</a:t>
+            </a:r>
+            <a:r>
+              <a:rPr lang="tr-TR" sz="2600" dirty="0"/>
+              <a:t> değeri ve de en sonunda içeriği bulunur.</a:t>
+            </a:r>
+          </a:p>
+          <a:p>
+            <a:pPr algn="l"/>
+            <a:r>
+              <a:rPr lang="tr-TR" sz="2600" dirty="0" err="1"/>
+              <a:t>box-sizing</a:t>
+            </a:r>
+            <a:r>
+              <a:rPr lang="tr-TR" sz="2600" dirty="0"/>
+              <a:t> ise elementin içeriğinin genişlik ve yükseklik değerlerinin neresi referans alınarak belirlenmesini sağlar. Yani diyelim ki 300px genişliğinde bir </a:t>
+            </a:r>
+            <a:r>
+              <a:rPr lang="tr-TR" sz="2600" dirty="0" err="1"/>
+              <a:t>div’imiz</a:t>
+            </a:r>
+            <a:r>
+              <a:rPr lang="tr-TR" sz="2600" dirty="0"/>
+              <a:t> mevcut. Bu 300px genişlik tam olarak </a:t>
+            </a:r>
+            <a:r>
+              <a:rPr lang="tr-TR" sz="2600" dirty="0" err="1"/>
+              <a:t>padding</a:t>
+            </a:r>
+            <a:r>
+              <a:rPr lang="tr-TR" sz="2600" dirty="0"/>
+              <a:t> ve </a:t>
+            </a:r>
+            <a:r>
+              <a:rPr lang="tr-TR" sz="2600" dirty="0" err="1"/>
+              <a:t>border’lar</a:t>
+            </a:r>
+            <a:r>
+              <a:rPr lang="tr-TR" sz="2600" dirty="0"/>
+              <a:t> dahil mi yoksa </a:t>
+            </a:r>
+            <a:r>
+              <a:rPr lang="tr-TR" sz="2600" dirty="0" err="1"/>
+              <a:t>padding</a:t>
+            </a:r>
+            <a:r>
+              <a:rPr lang="tr-TR" sz="2600" dirty="0"/>
+              <a:t> ve </a:t>
+            </a:r>
+            <a:r>
+              <a:rPr lang="tr-TR" sz="2600" dirty="0" err="1"/>
+              <a:t>border</a:t>
+            </a:r>
+            <a:r>
+              <a:rPr lang="tr-TR" sz="2600" dirty="0"/>
+              <a:t> hariç mi sorusunun cevabını </a:t>
+            </a:r>
+            <a:r>
+              <a:rPr lang="tr-TR" sz="2600" dirty="0" err="1"/>
+              <a:t>box-sizing</a:t>
+            </a:r>
+            <a:r>
+              <a:rPr lang="tr-TR" sz="2600" dirty="0"/>
+              <a:t> kullanarak belirleyebilirsiniz.</a:t>
+            </a:r>
+          </a:p>
+          <a:p>
+            <a:pPr algn="l" fontAlgn="base"/>
+            <a:r>
+              <a:rPr lang="tr-TR" sz="2600" dirty="0" err="1"/>
+              <a:t>box-sizing</a:t>
+            </a:r>
+            <a:r>
+              <a:rPr lang="tr-TR" sz="2600" dirty="0"/>
+              <a:t> </a:t>
+            </a:r>
+            <a:r>
+              <a:rPr lang="tr-TR" sz="2600" dirty="0" err="1"/>
+              <a:t>initial</a:t>
+            </a:r>
+            <a:r>
+              <a:rPr lang="tr-TR" sz="2600" dirty="0"/>
+              <a:t> ve </a:t>
+            </a:r>
+            <a:r>
+              <a:rPr lang="tr-TR" sz="2600" dirty="0" err="1"/>
+              <a:t>inherit</a:t>
+            </a:r>
+            <a:r>
+              <a:rPr lang="tr-TR" sz="2600" dirty="0"/>
+              <a:t> haricinde 2 adet değer alır. Bu değerler ve anlamları şu şekilde vuku bulmaktadır;</a:t>
+            </a:r>
+          </a:p>
+          <a:p>
+            <a:pPr algn="l" fontAlgn="base"/>
+            <a:r>
+              <a:rPr lang="tr-TR" sz="2600" b="1" dirty="0" err="1">
+                <a:solidFill>
+                  <a:srgbClr val="FF0000"/>
+                </a:solidFill>
+              </a:rPr>
+              <a:t>border-box</a:t>
+            </a:r>
+            <a:r>
+              <a:rPr lang="tr-TR" sz="2600" b="1" dirty="0">
+                <a:solidFill>
+                  <a:srgbClr val="FF0000"/>
+                </a:solidFill>
+              </a:rPr>
+              <a:t> =</a:t>
+            </a:r>
+            <a:r>
+              <a:rPr lang="tr-TR" sz="2600" b="1" dirty="0"/>
+              <a:t> </a:t>
+            </a:r>
+            <a:r>
+              <a:rPr lang="tr-TR" sz="2600" dirty="0"/>
+              <a:t>elementin genişlik ve yüksekliğine </a:t>
+            </a:r>
+            <a:r>
+              <a:rPr lang="tr-TR" sz="2600" dirty="0" err="1"/>
+              <a:t>border</a:t>
+            </a:r>
+            <a:r>
+              <a:rPr lang="tr-TR" sz="2600" dirty="0"/>
+              <a:t> ve </a:t>
+            </a:r>
+            <a:r>
+              <a:rPr lang="tr-TR" sz="2600" dirty="0" err="1"/>
+              <a:t>padding</a:t>
+            </a:r>
+            <a:r>
+              <a:rPr lang="tr-TR" sz="2600" dirty="0"/>
+              <a:t> değerleri dahildir.</a:t>
+            </a:r>
+          </a:p>
+          <a:p>
+            <a:pPr algn="l" fontAlgn="base"/>
+            <a:r>
+              <a:rPr lang="tr-TR" sz="2600" b="1" dirty="0" err="1">
+                <a:solidFill>
+                  <a:srgbClr val="FF0000"/>
+                </a:solidFill>
+              </a:rPr>
+              <a:t>content-box</a:t>
+            </a:r>
+            <a:r>
+              <a:rPr lang="tr-TR" sz="2600" b="1" dirty="0">
+                <a:solidFill>
+                  <a:srgbClr val="FF0000"/>
+                </a:solidFill>
+              </a:rPr>
+              <a:t> = </a:t>
+            </a:r>
+            <a:r>
+              <a:rPr lang="tr-TR" sz="2600" dirty="0"/>
+              <a:t>elementin genişlik ve yüksekliğine </a:t>
+            </a:r>
+            <a:r>
+              <a:rPr lang="tr-TR" sz="2600" dirty="0" err="1"/>
+              <a:t>border</a:t>
+            </a:r>
+            <a:r>
+              <a:rPr lang="tr-TR" sz="2600" dirty="0"/>
+              <a:t> ve </a:t>
+            </a:r>
+            <a:r>
+              <a:rPr lang="tr-TR" sz="2600" dirty="0" err="1"/>
+              <a:t>padding</a:t>
+            </a:r>
+            <a:r>
+              <a:rPr lang="tr-TR" sz="2600" dirty="0"/>
+              <a:t> değerleri dahil değildir.</a:t>
+            </a:r>
+          </a:p>
+          <a:p>
+            <a:pPr algn="l"/>
+            <a:endParaRPr lang="tr-TR" dirty="0"/>
+          </a:p>
+          <a:p>
+            <a:pPr algn="l" fontAlgn="base"/>
+            <a:r>
+              <a:rPr lang="tr-TR" dirty="0"/>
+              <a:t> </a:t>
+            </a:r>
+          </a:p>
+          <a:p>
+            <a:pPr algn="l"/>
+            <a:endParaRPr lang="tr-TR" dirty="0"/>
+          </a:p>
+        </p:txBody>
+      </p:sp>
+    </p:spTree>
+    <p:extLst>
+      <p:ext uri="{BB962C8B-B14F-4D97-AF65-F5344CB8AC3E}">
+        <p14:creationId xmlns:p14="http://schemas.microsoft.com/office/powerpoint/2010/main" val="497410703"/>
+      </p:ext>
+    </p:extLst>
+  </p:cSld>
+  <p:clrMapOvr>
+    <a:masterClrMapping/>
+  </p:clrMapOvr>
+</p:sld>
+</file>
+
+<file path=ppt/slides/slide6.xml><?xml version="1.0" encoding="utf-8"?>
+<p:sld xmlns:a="http://schemas.openxmlformats.org/drawingml/2006/main" xmlns:r="http://schemas.openxmlformats.org/officeDocument/2006/relationships" xmlns:p="http://schemas.openxmlformats.org/presentationml/2006/main">
+  <p:cSld>
+    <p:spTree>
+      <p:nvGrpSpPr>
+        <p:cNvPr id="1" name=""/>
+        <p:cNvGrpSpPr/>
+        <p:nvPr/>
+      </p:nvGrpSpPr>
+      <p:grpSpPr>
+        <a:xfrm>
+          <a:off x="0" y="0"/>
+          <a:ext cx="0" cy="0"/>
+          <a:chOff x="0" y="0"/>
+          <a:chExt cx="0" cy="0"/>
+        </a:xfrm>
+      </p:grpSpPr>
+      <p:sp>
+        <p:nvSpPr>
+          <p:cNvPr id="2" name="Başlık 1">
+            <a:extLst>
+              <a:ext uri="{FF2B5EF4-FFF2-40B4-BE49-F238E27FC236}">
+                <a16:creationId xmlns:a16="http://schemas.microsoft.com/office/drawing/2014/main" id="{862DC952-C061-7485-9FEB-130ECF91596A}"/>
+              </a:ext>
+            </a:extLst>
+          </p:cNvPr>
+          <p:cNvSpPr>
+            <a:spLocks noGrp="1"/>
+          </p:cNvSpPr>
+          <p:nvPr>
+            <p:ph type="ctrTitle"/>
+          </p:nvPr>
+        </p:nvSpPr>
+        <p:spPr>
+          <a:xfrm>
+            <a:off x="935501" y="257447"/>
+            <a:ext cx="10320997" cy="1472880"/>
+          </a:xfrm>
+        </p:spPr>
+        <p:txBody>
+          <a:bodyPr>
+            <a:normAutofit fontScale="90000"/>
+          </a:bodyPr>
+          <a:lstStyle/>
+          <a:p>
+            <a:pPr algn="l"/>
+            <a:r>
+              <a:rPr lang="fr-FR" sz="5400" b="1" dirty="0">
+                <a:solidFill>
+                  <a:schemeClr val="accent1"/>
+                </a:solidFill>
+              </a:rPr>
+              <a:t>position: relative ile </a:t>
+            </a:r>
+            <a:r>
+              <a:rPr lang="fr-FR" sz="5400" b="1" dirty="0" err="1">
+                <a:solidFill>
+                  <a:schemeClr val="accent1"/>
+                </a:solidFill>
+              </a:rPr>
+              <a:t>absolute</a:t>
+            </a:r>
+            <a:r>
+              <a:rPr lang="fr-FR" sz="5400" b="1" dirty="0">
+                <a:solidFill>
+                  <a:schemeClr val="accent1"/>
+                </a:solidFill>
+              </a:rPr>
+              <a:t> </a:t>
+            </a:r>
+            <a:r>
+              <a:rPr lang="fr-FR" sz="5400" b="1" dirty="0" err="1">
+                <a:solidFill>
+                  <a:schemeClr val="accent1"/>
+                </a:solidFill>
+              </a:rPr>
+              <a:t>arasındaki</a:t>
+            </a:r>
+            <a:r>
+              <a:rPr lang="tr-TR" sz="5400" b="1" dirty="0">
+                <a:solidFill>
+                  <a:schemeClr val="accent1"/>
+                </a:solidFill>
+              </a:rPr>
+              <a:t> </a:t>
+            </a:r>
+            <a:r>
+              <a:rPr lang="fr-FR" sz="5400" b="1" dirty="0" err="1">
+                <a:solidFill>
+                  <a:schemeClr val="accent1"/>
+                </a:solidFill>
+              </a:rPr>
+              <a:t>fark</a:t>
+            </a:r>
+            <a:r>
+              <a:rPr lang="tr-TR" sz="5400" b="1" dirty="0">
+                <a:solidFill>
+                  <a:schemeClr val="accent1"/>
+                </a:solidFill>
+              </a:rPr>
+              <a:t> nedir</a:t>
+            </a:r>
+            <a:r>
+              <a:rPr lang="fr-FR" sz="5400" b="1" dirty="0">
+                <a:solidFill>
+                  <a:schemeClr val="accent1"/>
+                </a:solidFill>
+              </a:rPr>
+              <a:t>?</a:t>
+            </a:r>
+            <a:endParaRPr lang="tr-TR" sz="5400" b="1" dirty="0">
+              <a:solidFill>
+                <a:schemeClr val="accent1"/>
+              </a:solidFill>
+            </a:endParaRPr>
+          </a:p>
+        </p:txBody>
+      </p:sp>
+      <p:sp>
+        <p:nvSpPr>
+          <p:cNvPr id="3" name="Alt Başlık 2">
+            <a:extLst>
+              <a:ext uri="{FF2B5EF4-FFF2-40B4-BE49-F238E27FC236}">
+                <a16:creationId xmlns:a16="http://schemas.microsoft.com/office/drawing/2014/main" id="{AB6E6D26-84C0-5846-8B9D-B81688D4BE96}"/>
+              </a:ext>
+            </a:extLst>
+          </p:cNvPr>
+          <p:cNvSpPr>
+            <a:spLocks noGrp="1"/>
+          </p:cNvSpPr>
+          <p:nvPr>
+            <p:ph type="subTitle" idx="1"/>
+          </p:nvPr>
+        </p:nvSpPr>
+        <p:spPr>
+          <a:xfrm>
+            <a:off x="935501" y="1999013"/>
+            <a:ext cx="10320997" cy="3815153"/>
+          </a:xfrm>
+        </p:spPr>
+        <p:txBody>
+          <a:bodyPr>
+            <a:normAutofit/>
+          </a:bodyPr>
+          <a:lstStyle/>
+          <a:p>
+            <a:pPr algn="l"/>
+            <a:r>
+              <a:rPr lang="fr-FR" sz="2400" b="1" dirty="0">
+                <a:solidFill>
+                  <a:srgbClr val="00B050"/>
+                </a:solidFill>
+              </a:rPr>
+              <a:t>position: </a:t>
+            </a:r>
+            <a:r>
+              <a:rPr lang="tr-TR" sz="2400" b="1" dirty="0" err="1">
+                <a:solidFill>
+                  <a:srgbClr val="00B050"/>
+                </a:solidFill>
+              </a:rPr>
+              <a:t>absolute</a:t>
+            </a:r>
+            <a:r>
+              <a:rPr lang="fr-FR" sz="2400" b="1" dirty="0">
+                <a:solidFill>
+                  <a:srgbClr val="00B050"/>
+                </a:solidFill>
+              </a:rPr>
+              <a:t> </a:t>
+            </a:r>
+            <a:r>
+              <a:rPr lang="tr-TR" b="0" i="0" dirty="0">
+                <a:solidFill>
+                  <a:srgbClr val="00B050"/>
+                </a:solidFill>
+                <a:effectLst/>
+                <a:latin typeface="Segoe UI" panose="020B0502040204020203" pitchFamily="34" charset="0"/>
+              </a:rPr>
+              <a:t>→</a:t>
+            </a:r>
+            <a:r>
+              <a:rPr lang="tr-TR" b="0" i="0" dirty="0">
+                <a:solidFill>
+                  <a:srgbClr val="2E2E2E"/>
+                </a:solidFill>
+                <a:effectLst/>
+                <a:latin typeface="Segoe UI" panose="020B0502040204020203" pitchFamily="34" charset="0"/>
+              </a:rPr>
+              <a:t> kesin konumlandırma ile içinde bulunduğu en yakın </a:t>
+            </a:r>
+            <a:r>
+              <a:rPr lang="tr-TR" b="0" i="0" dirty="0" err="1">
+                <a:solidFill>
+                  <a:srgbClr val="2E2E2E"/>
+                </a:solidFill>
+                <a:effectLst/>
+                <a:latin typeface="Segoe UI" panose="020B0502040204020203" pitchFamily="34" charset="0"/>
+              </a:rPr>
+              <a:t>parent</a:t>
+            </a:r>
+            <a:r>
+              <a:rPr lang="tr-TR" b="0" i="0" dirty="0">
+                <a:solidFill>
+                  <a:srgbClr val="2E2E2E"/>
+                </a:solidFill>
+                <a:effectLst/>
+                <a:latin typeface="Segoe UI" panose="020B0502040204020203" pitchFamily="34" charset="0"/>
+              </a:rPr>
+              <a:t> (ebeveyn) elemana göre konumlandırma yapar.</a:t>
+            </a:r>
+          </a:p>
+          <a:p>
+            <a:pPr algn="l"/>
+            <a:r>
+              <a:rPr lang="fr-FR" sz="2400" b="1" dirty="0">
+                <a:solidFill>
+                  <a:srgbClr val="00B050"/>
+                </a:solidFill>
+              </a:rPr>
+              <a:t>position: relative </a:t>
+            </a:r>
+            <a:r>
+              <a:rPr lang="tr-TR" b="0" i="0" dirty="0">
+                <a:solidFill>
+                  <a:srgbClr val="00B050"/>
+                </a:solidFill>
+                <a:effectLst/>
+                <a:latin typeface="Segoe UI" panose="020B0502040204020203" pitchFamily="34" charset="0"/>
+              </a:rPr>
+              <a:t>→</a:t>
+            </a:r>
+            <a:r>
+              <a:rPr lang="tr-TR" b="0" i="0" dirty="0">
+                <a:solidFill>
+                  <a:srgbClr val="2E2E2E"/>
+                </a:solidFill>
+                <a:effectLst/>
+                <a:latin typeface="Segoe UI" panose="020B0502040204020203" pitchFamily="34" charset="0"/>
+              </a:rPr>
+              <a:t> göreceli konumlandırma sayesinde içinde bulunduğu düzeni değiştirmeden eski konumuna bağlı olarak geçerli bir konuma konumlandırmadır.</a:t>
+            </a:r>
+          </a:p>
+          <a:p>
+            <a:pPr algn="l"/>
+            <a:endParaRPr lang="tr-TR" dirty="0"/>
+          </a:p>
+          <a:p>
+            <a:pPr algn="l" fontAlgn="base"/>
+            <a:r>
+              <a:rPr lang="tr-TR" dirty="0"/>
+              <a:t> </a:t>
+            </a:r>
+          </a:p>
+          <a:p>
+            <a:pPr algn="l"/>
+            <a:endParaRPr lang="tr-TR" dirty="0"/>
+          </a:p>
+        </p:txBody>
+      </p:sp>
+      <p:pic>
+        <p:nvPicPr>
+          <p:cNvPr id="7" name="Resim 6">
+            <a:extLst>
+              <a:ext uri="{FF2B5EF4-FFF2-40B4-BE49-F238E27FC236}">
+                <a16:creationId xmlns:a16="http://schemas.microsoft.com/office/drawing/2014/main" id="{BC0B6D1C-C5EC-0357-1209-931F107AD70D}"/>
+              </a:ext>
+            </a:extLst>
+          </p:cNvPr>
+          <p:cNvPicPr>
+            <a:picLocks noChangeAspect="1"/>
+          </p:cNvPicPr>
+          <p:nvPr/>
+        </p:nvPicPr>
+        <p:blipFill>
+          <a:blip r:embed="rId2"/>
+          <a:stretch>
+            <a:fillRect/>
+          </a:stretch>
+        </p:blipFill>
+        <p:spPr>
+          <a:xfrm>
+            <a:off x="6293976" y="3906589"/>
+            <a:ext cx="4962525" cy="2038350"/>
+          </a:xfrm>
+          <a:prstGeom prst="rect">
+            <a:avLst/>
+          </a:prstGeom>
+        </p:spPr>
+      </p:pic>
+      <p:pic>
+        <p:nvPicPr>
+          <p:cNvPr id="9" name="Resim 8">
+            <a:extLst>
+              <a:ext uri="{FF2B5EF4-FFF2-40B4-BE49-F238E27FC236}">
+                <a16:creationId xmlns:a16="http://schemas.microsoft.com/office/drawing/2014/main" id="{3CAECA90-12C7-BF2A-18D9-EF8C0C07EC65}"/>
+              </a:ext>
+            </a:extLst>
+          </p:cNvPr>
+          <p:cNvPicPr>
+            <a:picLocks noChangeAspect="1"/>
+          </p:cNvPicPr>
+          <p:nvPr/>
+        </p:nvPicPr>
+        <p:blipFill>
+          <a:blip r:embed="rId3"/>
+          <a:stretch>
+            <a:fillRect/>
+          </a:stretch>
+        </p:blipFill>
+        <p:spPr>
+          <a:xfrm>
+            <a:off x="935501" y="3906589"/>
+            <a:ext cx="4962525" cy="2057400"/>
+          </a:xfrm>
+          <a:prstGeom prst="rect">
+            <a:avLst/>
+          </a:prstGeom>
+        </p:spPr>
+      </p:pic>
+    </p:spTree>
+    <p:extLst>
+      <p:ext uri="{BB962C8B-B14F-4D97-AF65-F5344CB8AC3E}">
+        <p14:creationId xmlns:p14="http://schemas.microsoft.com/office/powerpoint/2010/main" val="2016075986"/>
+      </p:ext>
+    </p:extLst>
+  </p:cSld>
+  <p:clrMapOvr>
+    <a:masterClrMapping/>
+  </p:clrMapOvr>
+</p:sld>
+</file>
+
+<file path=ppt/slides/slide7.xml><?xml version="1.0" encoding="utf-8"?>
+<p:sld xmlns:a="http://schemas.openxmlformats.org/drawingml/2006/main" xmlns:r="http://schemas.openxmlformats.org/officeDocument/2006/relationships" xmlns:p="http://schemas.openxmlformats.org/presentationml/2006/main">
+  <p:cSld>
+    <p:spTree>
+      <p:nvGrpSpPr>
+        <p:cNvPr id="1" name=""/>
+        <p:cNvGrpSpPr/>
+        <p:nvPr/>
+      </p:nvGrpSpPr>
+      <p:grpSpPr>
+        <a:xfrm>
+          <a:off x="0" y="0"/>
+          <a:ext cx="0" cy="0"/>
+          <a:chOff x="0" y="0"/>
+          <a:chExt cx="0" cy="0"/>
+        </a:xfrm>
+      </p:grpSpPr>
+      <p:sp>
+        <p:nvSpPr>
+          <p:cNvPr id="3" name="Alt Başlık 2">
+            <a:extLst>
+              <a:ext uri="{FF2B5EF4-FFF2-40B4-BE49-F238E27FC236}">
+                <a16:creationId xmlns:a16="http://schemas.microsoft.com/office/drawing/2014/main" id="{AB6E6D26-84C0-5846-8B9D-B81688D4BE96}"/>
+              </a:ext>
+            </a:extLst>
+          </p:cNvPr>
+          <p:cNvSpPr>
+            <a:spLocks noGrp="1"/>
+          </p:cNvSpPr>
+          <p:nvPr>
+            <p:ph type="subTitle" idx="1"/>
+          </p:nvPr>
+        </p:nvSpPr>
+        <p:spPr>
+          <a:xfrm>
+            <a:off x="935501" y="675249"/>
+            <a:ext cx="10320997" cy="5138917"/>
+          </a:xfrm>
+        </p:spPr>
+        <p:txBody>
+          <a:bodyPr>
+            <a:normAutofit/>
+          </a:bodyPr>
+          <a:lstStyle/>
+          <a:p>
+            <a:pPr algn="just"/>
+            <a:r>
+              <a:rPr lang="fr-FR" sz="2400" b="1" dirty="0">
+                <a:solidFill>
+                  <a:srgbClr val="00B050"/>
+                </a:solidFill>
+              </a:rPr>
+              <a:t>*</a:t>
+            </a:r>
+            <a:r>
+              <a:rPr lang="tr-TR" sz="2400" b="1" dirty="0">
+                <a:solidFill>
+                  <a:srgbClr val="00B050"/>
+                </a:solidFill>
+              </a:rPr>
+              <a:t> </a:t>
+            </a:r>
+            <a:r>
+              <a:rPr lang="fr-FR" sz="2400" b="1" dirty="0">
+                <a:solidFill>
+                  <a:srgbClr val="00B050"/>
+                </a:solidFill>
+              </a:rPr>
+              <a:t>{} </a:t>
+            </a:r>
+            <a:r>
+              <a:rPr lang="fr-FR" sz="2400" b="1" dirty="0">
+                <a:solidFill>
+                  <a:srgbClr val="FF0000"/>
+                </a:solidFill>
+              </a:rPr>
+              <a:t>=&gt;</a:t>
+            </a:r>
+            <a:r>
+              <a:rPr lang="fr-FR" sz="2400" b="1" dirty="0">
+                <a:solidFill>
+                  <a:srgbClr val="00B050"/>
+                </a:solidFill>
+              </a:rPr>
+              <a:t> </a:t>
+            </a:r>
+            <a:r>
+              <a:rPr lang="fr-FR" sz="2400" b="1" dirty="0" err="1"/>
+              <a:t>bütün</a:t>
+            </a:r>
+            <a:r>
+              <a:rPr lang="fr-FR" sz="2400" b="1" dirty="0"/>
+              <a:t> </a:t>
+            </a:r>
+            <a:r>
+              <a:rPr lang="fr-FR" sz="2400" b="1" dirty="0" err="1"/>
+              <a:t>tag'ler</a:t>
+            </a:r>
+            <a:endParaRPr lang="fr-FR" sz="2400" b="1" dirty="0"/>
+          </a:p>
+          <a:p>
+            <a:pPr algn="l"/>
+            <a:r>
+              <a:rPr lang="fr-FR" sz="2400" b="1" dirty="0">
+                <a:solidFill>
+                  <a:srgbClr val="00B050"/>
+                </a:solidFill>
+              </a:rPr>
+              <a:t>div,</a:t>
+            </a:r>
+            <a:r>
+              <a:rPr lang="tr-TR" sz="2400" b="1" dirty="0">
+                <a:solidFill>
+                  <a:srgbClr val="00B050"/>
+                </a:solidFill>
+              </a:rPr>
+              <a:t> </a:t>
+            </a:r>
+            <a:r>
+              <a:rPr lang="fr-FR" sz="2400" b="1" dirty="0">
+                <a:solidFill>
+                  <a:srgbClr val="00B050"/>
+                </a:solidFill>
+              </a:rPr>
+              <a:t>p</a:t>
+            </a:r>
+            <a:r>
+              <a:rPr lang="tr-TR" sz="2400" b="1" dirty="0">
+                <a:solidFill>
+                  <a:srgbClr val="00B050"/>
+                </a:solidFill>
+              </a:rPr>
+              <a:t> </a:t>
+            </a:r>
+            <a:r>
+              <a:rPr lang="fr-FR" sz="2400" b="1" dirty="0">
+                <a:solidFill>
+                  <a:srgbClr val="00B050"/>
+                </a:solidFill>
+              </a:rPr>
+              <a:t>{} </a:t>
+            </a:r>
+            <a:r>
+              <a:rPr lang="fr-FR" sz="2400" b="1" dirty="0">
+                <a:solidFill>
+                  <a:srgbClr val="FF0000"/>
+                </a:solidFill>
+              </a:rPr>
+              <a:t>=&gt;</a:t>
+            </a:r>
+            <a:r>
+              <a:rPr lang="fr-FR" sz="2400" b="1" dirty="0">
+                <a:solidFill>
+                  <a:srgbClr val="00B050"/>
+                </a:solidFill>
+              </a:rPr>
+              <a:t> </a:t>
+            </a:r>
+            <a:r>
+              <a:rPr lang="fr-FR" sz="2400" b="1" dirty="0" err="1"/>
+              <a:t>bütün</a:t>
+            </a:r>
+            <a:r>
+              <a:rPr lang="fr-FR" sz="2400" b="1" dirty="0"/>
+              <a:t> div </a:t>
+            </a:r>
+            <a:r>
+              <a:rPr lang="fr-FR" sz="2400" b="1" dirty="0" err="1"/>
+              <a:t>ve</a:t>
+            </a:r>
+            <a:r>
+              <a:rPr lang="fr-FR" sz="2400" b="1" dirty="0"/>
+              <a:t> </a:t>
+            </a:r>
+            <a:r>
+              <a:rPr lang="fr-FR" sz="2400" b="1" dirty="0" err="1"/>
+              <a:t>bütün</a:t>
+            </a:r>
+            <a:r>
+              <a:rPr lang="fr-FR" sz="2400" b="1" dirty="0"/>
+              <a:t> </a:t>
+            </a:r>
+            <a:r>
+              <a:rPr lang="fr-FR" sz="2400" b="1" dirty="0" err="1"/>
+              <a:t>p'ler</a:t>
+            </a:r>
+            <a:endParaRPr lang="fr-FR" sz="2400" b="1" dirty="0"/>
+          </a:p>
+          <a:p>
+            <a:pPr algn="l"/>
+            <a:r>
+              <a:rPr lang="tr-TR" b="1" dirty="0">
+                <a:solidFill>
+                  <a:srgbClr val="00B050"/>
+                </a:solidFill>
+              </a:rPr>
+              <a:t>d</a:t>
+            </a:r>
+            <a:r>
+              <a:rPr lang="fr-FR" sz="2400" b="1" dirty="0">
+                <a:solidFill>
+                  <a:srgbClr val="00B050"/>
+                </a:solidFill>
+              </a:rPr>
+              <a:t>iv</a:t>
+            </a:r>
+            <a:r>
+              <a:rPr lang="tr-TR" sz="2400" b="1" dirty="0">
+                <a:solidFill>
+                  <a:srgbClr val="00B050"/>
+                </a:solidFill>
+              </a:rPr>
+              <a:t> </a:t>
+            </a:r>
+            <a:r>
+              <a:rPr lang="fr-FR" sz="2400" b="1" dirty="0">
+                <a:solidFill>
+                  <a:srgbClr val="00B050"/>
+                </a:solidFill>
+              </a:rPr>
+              <a:t>&gt;</a:t>
+            </a:r>
+            <a:r>
+              <a:rPr lang="tr-TR" sz="2400" b="1" dirty="0">
+                <a:solidFill>
+                  <a:srgbClr val="00B050"/>
+                </a:solidFill>
+              </a:rPr>
+              <a:t> </a:t>
+            </a:r>
+            <a:r>
+              <a:rPr lang="fr-FR" sz="2400" b="1" dirty="0">
+                <a:solidFill>
+                  <a:srgbClr val="00B050"/>
+                </a:solidFill>
+              </a:rPr>
+              <a:t>p</a:t>
+            </a:r>
+            <a:r>
+              <a:rPr lang="tr-TR" sz="2400" b="1" dirty="0">
+                <a:solidFill>
+                  <a:srgbClr val="00B050"/>
+                </a:solidFill>
+              </a:rPr>
+              <a:t> </a:t>
+            </a:r>
+            <a:r>
+              <a:rPr lang="fr-FR" sz="2400" b="1" dirty="0">
+                <a:solidFill>
+                  <a:srgbClr val="00B050"/>
+                </a:solidFill>
+              </a:rPr>
+              <a:t>{} </a:t>
+            </a:r>
+            <a:r>
+              <a:rPr lang="fr-FR" sz="2400" b="1" dirty="0">
+                <a:solidFill>
+                  <a:srgbClr val="FF0000"/>
+                </a:solidFill>
+              </a:rPr>
+              <a:t>=&gt;</a:t>
+            </a:r>
+            <a:r>
+              <a:rPr lang="fr-FR" sz="2400" b="1" dirty="0">
+                <a:solidFill>
+                  <a:srgbClr val="00B050"/>
+                </a:solidFill>
+              </a:rPr>
+              <a:t> </a:t>
+            </a:r>
+            <a:r>
+              <a:rPr lang="fr-FR" sz="2400" b="1" dirty="0" err="1"/>
+              <a:t>div'in</a:t>
+            </a:r>
+            <a:r>
+              <a:rPr lang="fr-FR" sz="2400" b="1" dirty="0"/>
+              <a:t> </a:t>
+            </a:r>
+            <a:r>
+              <a:rPr lang="fr-FR" sz="2400" b="1" dirty="0" err="1"/>
+              <a:t>içindeki</a:t>
+            </a:r>
+            <a:r>
+              <a:rPr lang="fr-FR" sz="2400" b="1" dirty="0"/>
+              <a:t> </a:t>
+            </a:r>
+            <a:r>
+              <a:rPr lang="fr-FR" sz="2400" b="1" dirty="0" err="1"/>
+              <a:t>bütün</a:t>
+            </a:r>
+            <a:r>
+              <a:rPr lang="fr-FR" sz="2400" b="1" dirty="0"/>
+              <a:t> </a:t>
+            </a:r>
+            <a:r>
+              <a:rPr lang="fr-FR" sz="2400" b="1" dirty="0" err="1"/>
+              <a:t>p'ler</a:t>
+            </a:r>
+            <a:endParaRPr lang="fr-FR" sz="2400" b="1" dirty="0"/>
+          </a:p>
+          <a:p>
+            <a:pPr algn="l"/>
+            <a:r>
+              <a:rPr lang="tr-TR" b="1" dirty="0">
+                <a:solidFill>
+                  <a:srgbClr val="00B050"/>
+                </a:solidFill>
+              </a:rPr>
+              <a:t>d</a:t>
+            </a:r>
+            <a:r>
+              <a:rPr lang="fr-FR" sz="2400" b="1" dirty="0">
+                <a:solidFill>
+                  <a:srgbClr val="00B050"/>
+                </a:solidFill>
+              </a:rPr>
+              <a:t>iv</a:t>
+            </a:r>
+            <a:r>
+              <a:rPr lang="tr-TR" sz="2400" b="1" dirty="0">
+                <a:solidFill>
+                  <a:srgbClr val="00B050"/>
+                </a:solidFill>
+              </a:rPr>
+              <a:t> </a:t>
+            </a:r>
+            <a:r>
+              <a:rPr lang="fr-FR" sz="2400" b="1" dirty="0">
+                <a:solidFill>
+                  <a:srgbClr val="00B050"/>
+                </a:solidFill>
+              </a:rPr>
+              <a:t>~</a:t>
+            </a:r>
+            <a:r>
+              <a:rPr lang="tr-TR" sz="2400" b="1" dirty="0">
+                <a:solidFill>
+                  <a:srgbClr val="00B050"/>
+                </a:solidFill>
+              </a:rPr>
+              <a:t> </a:t>
+            </a:r>
+            <a:r>
+              <a:rPr lang="fr-FR" sz="2400" b="1" dirty="0">
+                <a:solidFill>
+                  <a:srgbClr val="00B050"/>
+                </a:solidFill>
+              </a:rPr>
+              <a:t>p</a:t>
+            </a:r>
+            <a:r>
+              <a:rPr lang="tr-TR" sz="2400" b="1" dirty="0">
+                <a:solidFill>
+                  <a:srgbClr val="00B050"/>
+                </a:solidFill>
+              </a:rPr>
+              <a:t> </a:t>
+            </a:r>
+            <a:r>
+              <a:rPr lang="fr-FR" sz="2400" b="1" dirty="0">
+                <a:solidFill>
+                  <a:srgbClr val="00B050"/>
+                </a:solidFill>
+              </a:rPr>
+              <a:t>{} </a:t>
+            </a:r>
+            <a:r>
+              <a:rPr lang="fr-FR" sz="2400" b="1" dirty="0">
+                <a:solidFill>
+                  <a:srgbClr val="FF0000"/>
+                </a:solidFill>
+              </a:rPr>
+              <a:t>=&gt;</a:t>
+            </a:r>
+            <a:r>
+              <a:rPr lang="fr-FR" sz="2400" b="1" dirty="0">
+                <a:solidFill>
+                  <a:srgbClr val="00B050"/>
+                </a:solidFill>
+              </a:rPr>
+              <a:t> </a:t>
+            </a:r>
+            <a:r>
+              <a:rPr lang="fr-FR" sz="2400" b="1" dirty="0"/>
+              <a:t>div ile p </a:t>
+            </a:r>
+            <a:r>
+              <a:rPr lang="fr-FR" sz="2400" b="1" dirty="0" err="1"/>
+              <a:t>aynı</a:t>
+            </a:r>
+            <a:r>
+              <a:rPr lang="fr-FR" sz="2400" b="1" dirty="0"/>
+              <a:t> </a:t>
+            </a:r>
+            <a:r>
+              <a:rPr lang="fr-FR" sz="2400" b="1" dirty="0" err="1"/>
+              <a:t>seviyede</a:t>
+            </a:r>
+            <a:r>
+              <a:rPr lang="fr-FR" sz="2400" b="1" dirty="0"/>
+              <a:t> </a:t>
+            </a:r>
+            <a:r>
+              <a:rPr lang="fr-FR" sz="2400" b="1" dirty="0" err="1"/>
+              <a:t>olacak</a:t>
+            </a:r>
+            <a:r>
+              <a:rPr lang="fr-FR" sz="2400" b="1" dirty="0"/>
+              <a:t> </a:t>
+            </a:r>
+            <a:r>
+              <a:rPr lang="fr-FR" sz="2400" b="1" dirty="0" err="1"/>
+              <a:t>ve</a:t>
+            </a:r>
+            <a:r>
+              <a:rPr lang="fr-FR" sz="2400" b="1" dirty="0"/>
+              <a:t> </a:t>
+            </a:r>
+            <a:r>
+              <a:rPr lang="fr-FR" sz="2400" b="1" dirty="0" err="1"/>
+              <a:t>bütün</a:t>
+            </a:r>
+            <a:r>
+              <a:rPr lang="fr-FR" sz="2400" b="1" dirty="0"/>
+              <a:t> </a:t>
+            </a:r>
+            <a:r>
+              <a:rPr lang="fr-FR" sz="2400" b="1" dirty="0" err="1"/>
+              <a:t>p'ler</a:t>
+            </a:r>
+            <a:endParaRPr lang="fr-FR" sz="2400" b="1" dirty="0"/>
+          </a:p>
+          <a:p>
+            <a:pPr algn="l"/>
+            <a:r>
+              <a:rPr lang="tr-TR" b="1" dirty="0">
+                <a:solidFill>
+                  <a:srgbClr val="00B050"/>
+                </a:solidFill>
+              </a:rPr>
+              <a:t>d</a:t>
+            </a:r>
+            <a:r>
+              <a:rPr lang="fr-FR" sz="2400" b="1" dirty="0">
+                <a:solidFill>
+                  <a:srgbClr val="00B050"/>
+                </a:solidFill>
+              </a:rPr>
+              <a:t>iv</a:t>
+            </a:r>
+            <a:r>
+              <a:rPr lang="tr-TR" sz="2400" b="1" dirty="0">
+                <a:solidFill>
+                  <a:srgbClr val="00B050"/>
+                </a:solidFill>
+              </a:rPr>
+              <a:t> </a:t>
+            </a:r>
+            <a:r>
+              <a:rPr lang="fr-FR" sz="2400" b="1" dirty="0">
+                <a:solidFill>
+                  <a:srgbClr val="00B050"/>
+                </a:solidFill>
+              </a:rPr>
+              <a:t>+</a:t>
+            </a:r>
+            <a:r>
+              <a:rPr lang="tr-TR" sz="2400" b="1" dirty="0">
+                <a:solidFill>
+                  <a:srgbClr val="00B050"/>
+                </a:solidFill>
+              </a:rPr>
+              <a:t> </a:t>
+            </a:r>
+            <a:r>
+              <a:rPr lang="fr-FR" sz="2400" b="1" dirty="0">
+                <a:solidFill>
+                  <a:srgbClr val="00B050"/>
+                </a:solidFill>
+              </a:rPr>
+              <a:t>p</a:t>
+            </a:r>
+            <a:r>
+              <a:rPr lang="tr-TR" sz="2400" b="1" dirty="0">
+                <a:solidFill>
+                  <a:srgbClr val="00B050"/>
+                </a:solidFill>
+              </a:rPr>
+              <a:t> </a:t>
+            </a:r>
+            <a:r>
+              <a:rPr lang="fr-FR" sz="2400" b="1" dirty="0">
+                <a:solidFill>
+                  <a:srgbClr val="00B050"/>
+                </a:solidFill>
+              </a:rPr>
+              <a:t>{} </a:t>
+            </a:r>
+            <a:r>
+              <a:rPr lang="fr-FR" sz="2400" b="1" dirty="0">
+                <a:solidFill>
+                  <a:srgbClr val="FF0000"/>
+                </a:solidFill>
+              </a:rPr>
+              <a:t>=&gt;</a:t>
+            </a:r>
+            <a:r>
+              <a:rPr lang="fr-FR" sz="2400" b="1" dirty="0">
+                <a:solidFill>
+                  <a:srgbClr val="00B050"/>
+                </a:solidFill>
+              </a:rPr>
+              <a:t> </a:t>
+            </a:r>
+            <a:r>
+              <a:rPr lang="fr-FR" b="1" dirty="0"/>
+              <a:t>div</a:t>
+            </a:r>
+            <a:r>
+              <a:rPr lang="tr-TR" b="1" dirty="0"/>
+              <a:t> etiketinden sonra gelen aynı seviyedeki </a:t>
+            </a:r>
+            <a:r>
+              <a:rPr lang="fr-FR" sz="2400" b="1" dirty="0" err="1"/>
+              <a:t>bütün</a:t>
+            </a:r>
+            <a:r>
+              <a:rPr lang="fr-FR" sz="2400" b="1" dirty="0"/>
+              <a:t> </a:t>
+            </a:r>
+            <a:r>
+              <a:rPr lang="fr-FR" b="1" dirty="0"/>
+              <a:t>p</a:t>
+            </a:r>
+            <a:r>
+              <a:rPr lang="tr-TR" b="1" dirty="0"/>
+              <a:t>’</a:t>
+            </a:r>
+            <a:r>
+              <a:rPr lang="tr-TR" b="1" dirty="0" err="1"/>
+              <a:t>ler</a:t>
+            </a:r>
+            <a:endParaRPr lang="tr-TR" b="1" dirty="0"/>
+          </a:p>
+          <a:p>
+            <a:pPr algn="l" fontAlgn="base"/>
+            <a:r>
+              <a:rPr lang="tr-TR" dirty="0"/>
+              <a:t> </a:t>
+            </a:r>
+          </a:p>
+          <a:p>
+            <a:pPr algn="l"/>
+            <a:endParaRPr lang="tr-TR" dirty="0"/>
+          </a:p>
+        </p:txBody>
+      </p:sp>
+    </p:spTree>
+    <p:extLst>
+      <p:ext uri="{BB962C8B-B14F-4D97-AF65-F5344CB8AC3E}">
+        <p14:creationId xmlns:p14="http://schemas.microsoft.com/office/powerpoint/2010/main" val="3578927758"/>
       </p:ext>
     </p:extLst>
   </p:cSld>
@@ -4853,4 +6822,299 @@
     </a:ext>
   </a:extLst>
 </a:theme>
+</file>
+
+<file path=ppt/theme/theme2.xml><?xml version="1.0" encoding="utf-8"?>
+<a:theme xmlns:a="http://schemas.openxmlformats.org/drawingml/2006/main" name="Office Teması">
+  <a:themeElements>
+    <a:clrScheme name="Office">
+      <a:dk1>
+        <a:sysClr val="windowText" lastClr="000000"/>
+      </a:dk1>
+      <a:lt1>
+        <a:sysClr val="window" lastClr="FFFFFF"/>
+      </a:lt1>
+      <a:dk2>
+        <a:srgbClr val="44546A"/>
+      </a:dk2>
+      <a:lt2>
+        <a:srgbClr val="E7E6E6"/>
+      </a:lt2>
+      <a:accent1>
+        <a:srgbClr val="4472C4"/>
+      </a:accent1>
+      <a:accent2>
+        <a:srgbClr val="ED7D31"/>
+      </a:accent2>
+      <a:accent3>
+        <a:srgbClr val="A5A5A5"/>
+      </a:accent3>
+      <a:accent4>
+        <a:srgbClr val="FFC000"/>
+      </a:accent4>
+      <a:accent5>
+        <a:srgbClr val="5B9BD5"/>
+      </a:accent5>
+      <a:accent6>
+        <a:srgbClr val="70AD47"/>
+      </a:accent6>
+      <a:hlink>
+        <a:srgbClr val="0563C1"/>
+      </a:hlink>
+      <a:folHlink>
+        <a:srgbClr val="954F72"/>
+      </a:folHlink>
+    </a:clrScheme>
+    <a:fontScheme name="Office">
+      <a:majorFont>
+        <a:latin typeface="Calibri Light" panose="020F0302020204030204"/>
+        <a:ea typeface=""/>
+        <a:cs typeface=""/>
+        <a:font script="Jpan" typeface="游ゴシック Light"/>
+        <a:font script="Hang" typeface="맑은 고딕"/>
+        <a:font script="Hans" typeface="等线 Light"/>
+        <a:font script="Hant" typeface="新細明體"/>
+        <a:font script="Arab" typeface="Times New Roman"/>
+        <a:font script="Hebr" typeface="Times New Roman"/>
+        <a:font script="Thai" typeface="Angsana New"/>
+        <a:font script="Ethi" typeface="Nyala"/>
+        <a:font script="Beng" typeface="Vrinda"/>
+        <a:font script="Gujr" typeface="Shruti"/>
+        <a:font script="Khmr" typeface="MoolBoran"/>
+        <a:font script="Knda" typeface="Tunga"/>
+        <a:font script="Guru" typeface="Raavi"/>
+        <a:font script="Cans" typeface="Euphemia"/>
+        <a:font script="Cher" typeface="Plantagenet Cherokee"/>
+        <a:font script="Yiii" typeface="Microsoft Yi Baiti"/>
+        <a:font script="Tibt" typeface="Microsoft Himalaya"/>
+        <a:font script="Thaa" typeface="MV Boli"/>
+        <a:font script="Deva" typeface="Mangal"/>
+        <a:font script="Telu" typeface="Gautami"/>
+        <a:font script="Taml" typeface="Latha"/>
+        <a:font script="Syrc" typeface="Estrangelo Edessa"/>
+        <a:font script="Orya" typeface="Kalinga"/>
+        <a:font script="Mlym" typeface="Kartika"/>
+        <a:font script="Laoo" typeface="DokChampa"/>
+        <a:font script="Sinh" typeface="Iskoola Pota"/>
+        <a:font script="Mong" typeface="Mongolian Baiti"/>
+        <a:font script="Viet" typeface="Times New Roman"/>
+        <a:font script="Uigh" typeface="Microsoft Uighur"/>
+        <a:font script="Geor" typeface="Sylfaen"/>
+        <a:font script="Armn" typeface="Arial"/>
+        <a:font script="Bugi" typeface="Leelawadee UI"/>
+        <a:font script="Bopo" typeface="Microsoft JhengHei"/>
+        <a:font script="Java" typeface="Javanese Text"/>
+        <a:font script="Lisu" typeface="Segoe UI"/>
+        <a:font script="Mymr" typeface="Myanmar Text"/>
+        <a:font script="Nkoo" typeface="Ebrima"/>
+        <a:font script="Olck" typeface="Nirmala UI"/>
+        <a:font script="Osma" typeface="Ebrima"/>
+        <a:font script="Phag" typeface="Phagspa"/>
+        <a:font script="Syrn" typeface="Estrangelo Edessa"/>
+        <a:font script="Syrj" typeface="Estrangelo Edessa"/>
+        <a:font script="Syre" typeface="Estrangelo Edessa"/>
+        <a:font script="Sora" typeface="Nirmala UI"/>
+        <a:font script="Tale" typeface="Microsoft Tai Le"/>
+        <a:font script="Talu" typeface="Microsoft New Tai Lue"/>
+        <a:font script="Tfng" typeface="Ebrima"/>
+      </a:majorFont>
+      <a:minorFont>
+        <a:latin typeface="Calibri" panose="020F0502020204030204"/>
+        <a:ea typeface=""/>
+        <a:cs typeface=""/>
+        <a:font script="Jpan" typeface="游ゴシック"/>
+        <a:font script="Hang" typeface="맑은 고딕"/>
+        <a:font script="Hans" typeface="等线"/>
+        <a:font script="Hant" typeface="新細明體"/>
+        <a:font script="Arab" typeface="Arial"/>
+        <a:font script="Hebr" typeface="Arial"/>
+        <a:font script="Thai" typeface="Cordia New"/>
+        <a:font script="Ethi" typeface="Nyala"/>
+        <a:font script="Beng" typeface="Vrinda"/>
+        <a:font script="Gujr" typeface="Shruti"/>
+        <a:font script="Khmr" typeface="DaunPenh"/>
+        <a:font script="Knda" typeface="Tunga"/>
+        <a:font script="Guru" typeface="Raavi"/>
+        <a:font script="Cans" typeface="Euphemia"/>
+        <a:font script="Cher" typeface="Plantagenet Cherokee"/>
+        <a:font script="Yiii" typeface="Microsoft Yi Baiti"/>
+        <a:font script="Tibt" typeface="Microsoft Himalaya"/>
+        <a:font script="Thaa" typeface="MV Boli"/>
+        <a:font script="Deva" typeface="Mangal"/>
+        <a:font script="Telu" typeface="Gautami"/>
+        <a:font script="Taml" typeface="Latha"/>
+        <a:font script="Syrc" typeface="Estrangelo Edessa"/>
+        <a:font script="Orya" typeface="Kalinga"/>
+        <a:font script="Mlym" typeface="Kartika"/>
+        <a:font script="Laoo" typeface="DokChampa"/>
+        <a:font script="Sinh" typeface="Iskoola Pota"/>
+        <a:font script="Mong" typeface="Mongolian Baiti"/>
+        <a:font script="Viet" typeface="Arial"/>
+        <a:font script="Uigh" typeface="Microsoft Uighur"/>
+        <a:font script="Geor" typeface="Sylfaen"/>
+        <a:font script="Armn" typeface="Arial"/>
+        <a:font script="Bugi" typeface="Leelawadee UI"/>
+        <a:font script="Bopo" typeface="Microsoft JhengHei"/>
+        <a:font script="Java" typeface="Javanese Text"/>
+        <a:font script="Lisu" typeface="Segoe UI"/>
+        <a:font script="Mymr" typeface="Myanmar Text"/>
+        <a:font script="Nkoo" typeface="Ebrima"/>
+        <a:font script="Olck" typeface="Nirmala UI"/>
+        <a:font script="Osma" typeface="Ebrima"/>
+        <a:font script="Phag" typeface="Phagspa"/>
+        <a:font script="Syrn" typeface="Estrangelo Edessa"/>
+        <a:font script="Syrj" typeface="Estrangelo Edessa"/>
+        <a:font script="Syre" typeface="Estrangelo Edessa"/>
+        <a:font script="Sora" typeface="Nirmala UI"/>
+        <a:font script="Tale" typeface="Microsoft Tai Le"/>
+        <a:font script="Talu" typeface="Microsoft New Tai Lue"/>
+        <a:font script="Tfng" typeface="Ebrima"/>
+      </a:minorFont>
+    </a:fontScheme>
+    <a:fmtScheme name="Office">
+      <a:fillStyleLst>
+        <a:solidFill>
+          <a:schemeClr val="phClr"/>
+        </a:solidFill>
+        <a:gradFill rotWithShape="1">
+          <a:gsLst>
+            <a:gs pos="0">
+              <a:schemeClr val="phClr">
+                <a:lumMod val="110000"/>
+                <a:satMod val="105000"/>
+                <a:tint val="67000"/>
+              </a:schemeClr>
+            </a:gs>
+            <a:gs pos="50000">
+              <a:schemeClr val="phClr">
+                <a:lumMod val="105000"/>
+                <a:satMod val="103000"/>
+                <a:tint val="73000"/>
+              </a:schemeClr>
+            </a:gs>
+            <a:gs pos="100000">
+              <a:schemeClr val="phClr">
+                <a:lumMod val="105000"/>
+                <a:satMod val="109000"/>
+                <a:tint val="81000"/>
+              </a:schemeClr>
+            </a:gs>
+          </a:gsLst>
+          <a:lin ang="5400000" scaled="0"/>
+        </a:gradFill>
+        <a:gradFill rotWithShape="1">
+          <a:gsLst>
+            <a:gs pos="0">
+              <a:schemeClr val="phClr">
+                <a:satMod val="103000"/>
+                <a:lumMod val="102000"/>
+                <a:tint val="94000"/>
+              </a:schemeClr>
+            </a:gs>
+            <a:gs pos="50000">
+              <a:schemeClr val="phClr">
+                <a:satMod val="110000"/>
+                <a:lumMod val="100000"/>
+                <a:shade val="100000"/>
+              </a:schemeClr>
+            </a:gs>
+            <a:gs pos="100000">
+              <a:schemeClr val="phClr">
+                <a:lumMod val="99000"/>
+                <a:satMod val="120000"/>
+                <a:shade val="78000"/>
+              </a:schemeClr>
+            </a:gs>
+          </a:gsLst>
+          <a:lin ang="5400000" scaled="0"/>
+        </a:gradFill>
+      </a:fillStyleLst>
+      <a:lnStyleLst>
+        <a:ln w="6350" cap="flat" cmpd="sng" algn="ctr">
+          <a:solidFill>
+            <a:schemeClr val="phClr"/>
+          </a:solidFill>
+          <a:prstDash val="solid"/>
+          <a:miter lim="800000"/>
+        </a:ln>
+        <a:ln w="12700" cap="flat" cmpd="sng" algn="ctr">
+          <a:solidFill>
+            <a:schemeClr val="phClr"/>
+          </a:solidFill>
+          <a:prstDash val="solid"/>
+          <a:miter lim="800000"/>
+        </a:ln>
+        <a:ln w="19050" cap="flat" cmpd="sng" algn="ctr">
+          <a:solidFill>
+            <a:schemeClr val="phClr"/>
+          </a:solidFill>
+          <a:prstDash val="solid"/>
+          <a:miter lim="800000"/>
+        </a:ln>
+      </a:lnStyleLst>
+      <a:effectStyleLst>
+        <a:effectStyle>
+          <a:effectLst/>
+        </a:effectStyle>
+        <a:effectStyle>
+          <a:effectLst/>
+        </a:effectStyle>
+        <a:effectStyle>
+          <a:effectLst>
+            <a:outerShdw blurRad="57150" dist="19050" dir="5400000" algn="ctr" rotWithShape="0">
+              <a:srgbClr val="000000">
+                <a:alpha val="63000"/>
+              </a:srgbClr>
+            </a:outerShdw>
+          </a:effectLst>
+        </a:effectStyle>
+      </a:effectStyleLst>
+      <a:bgFillStyleLst>
+        <a:solidFill>
+          <a:schemeClr val="phClr"/>
+        </a:solidFill>
+        <a:solidFill>
+          <a:schemeClr val="phClr">
+            <a:tint val="95000"/>
+            <a:satMod val="170000"/>
+          </a:schemeClr>
+        </a:solidFill>
+        <a:gradFill rotWithShape="1">
+          <a:gsLst>
+            <a:gs pos="0">
+              <a:schemeClr val="phClr">
+                <a:tint val="93000"/>
+                <a:satMod val="150000"/>
+                <a:shade val="98000"/>
+                <a:lumMod val="102000"/>
+              </a:schemeClr>
+            </a:gs>
+            <a:gs pos="50000">
+              <a:schemeClr val="phClr">
+                <a:tint val="98000"/>
+                <a:satMod val="130000"/>
+                <a:shade val="90000"/>
+                <a:lumMod val="103000"/>
+              </a:schemeClr>
+            </a:gs>
+            <a:gs pos="100000">
+              <a:schemeClr val="phClr">
+                <a:shade val="63000"/>
+                <a:satMod val="120000"/>
+              </a:schemeClr>
+            </a:gs>
+          </a:gsLst>
+          <a:lin ang="5400000" scaled="0"/>
+        </a:gradFill>
+      </a:bgFillStyleLst>
+    </a:fmtScheme>
+  </a:themeElements>
+  <a:objectDefaults/>
+  <a:extraClrSchemeLst/>
+  <a:extLst>
+    <a:ext uri="{05A4C25C-085E-4340-85A3-A5531E510DB2}">
+      <thm15:themeFamily xmlns:thm15="http://schemas.microsoft.com/office/thememl/2012/main" name="Office Theme" id="{62F939B6-93AF-4DB8-9C6B-D6C7DFDC589F}" vid="{4A3C46E8-61CC-4603-A589-7422A47A8E4A}"/>
+    </a:ext>
+  </a:extLst>
+</a:theme>
 </file>